--- a/Projektmappe/Zyklus 2/Willkommen zur Präsentation der ChesSEP - Zyklus II.pptx
+++ b/Projektmappe/Zyklus 2/Willkommen zur Präsentation der ChesSEP - Zyklus II.pptx
@@ -9,8 +9,9 @@
     <p:sldId id="257" r:id="rId3"/>
     <p:sldId id="258" r:id="rId4"/>
     <p:sldId id="259" r:id="rId5"/>
-    <p:sldId id="260" r:id="rId6"/>
-    <p:sldId id="261" r:id="rId7"/>
+    <p:sldId id="262" r:id="rId6"/>
+    <p:sldId id="260" r:id="rId7"/>
+    <p:sldId id="261" r:id="rId8"/>
   </p:sldIdLst>
   <p:sldSz cx="12192000" cy="6858000"/>
   <p:notesSz cx="6858000" cy="9144000"/>
@@ -264,7 +265,7 @@
           <a:p>
             <a:fld id="{FAC48D4D-CDDF-46A0-BBDF-680128B0453A}" type="datetimeFigureOut">
               <a:rPr lang="de-DE" smtClean="0"/>
-              <a:t>13.12.2023</a:t>
+              <a:t>15.12.2023</a:t>
             </a:fld>
             <a:endParaRPr lang="de-DE"/>
           </a:p>
@@ -462,7 +463,7 @@
           <a:p>
             <a:fld id="{FAC48D4D-CDDF-46A0-BBDF-680128B0453A}" type="datetimeFigureOut">
               <a:rPr lang="de-DE" smtClean="0"/>
-              <a:t>13.12.2023</a:t>
+              <a:t>15.12.2023</a:t>
             </a:fld>
             <a:endParaRPr lang="de-DE"/>
           </a:p>
@@ -670,7 +671,7 @@
           <a:p>
             <a:fld id="{FAC48D4D-CDDF-46A0-BBDF-680128B0453A}" type="datetimeFigureOut">
               <a:rPr lang="de-DE" smtClean="0"/>
-              <a:t>13.12.2023</a:t>
+              <a:t>15.12.2023</a:t>
             </a:fld>
             <a:endParaRPr lang="de-DE"/>
           </a:p>
@@ -868,7 +869,7 @@
           <a:p>
             <a:fld id="{FAC48D4D-CDDF-46A0-BBDF-680128B0453A}" type="datetimeFigureOut">
               <a:rPr lang="de-DE" smtClean="0"/>
-              <a:t>13.12.2023</a:t>
+              <a:t>15.12.2023</a:t>
             </a:fld>
             <a:endParaRPr lang="de-DE"/>
           </a:p>
@@ -1143,7 +1144,7 @@
           <a:p>
             <a:fld id="{FAC48D4D-CDDF-46A0-BBDF-680128B0453A}" type="datetimeFigureOut">
               <a:rPr lang="de-DE" smtClean="0"/>
-              <a:t>13.12.2023</a:t>
+              <a:t>15.12.2023</a:t>
             </a:fld>
             <a:endParaRPr lang="de-DE"/>
           </a:p>
@@ -1408,7 +1409,7 @@
           <a:p>
             <a:fld id="{FAC48D4D-CDDF-46A0-BBDF-680128B0453A}" type="datetimeFigureOut">
               <a:rPr lang="de-DE" smtClean="0"/>
-              <a:t>13.12.2023</a:t>
+              <a:t>15.12.2023</a:t>
             </a:fld>
             <a:endParaRPr lang="de-DE"/>
           </a:p>
@@ -1820,7 +1821,7 @@
           <a:p>
             <a:fld id="{FAC48D4D-CDDF-46A0-BBDF-680128B0453A}" type="datetimeFigureOut">
               <a:rPr lang="de-DE" smtClean="0"/>
-              <a:t>13.12.2023</a:t>
+              <a:t>15.12.2023</a:t>
             </a:fld>
             <a:endParaRPr lang="de-DE"/>
           </a:p>
@@ -1961,7 +1962,7 @@
           <a:p>
             <a:fld id="{FAC48D4D-CDDF-46A0-BBDF-680128B0453A}" type="datetimeFigureOut">
               <a:rPr lang="de-DE" smtClean="0"/>
-              <a:t>13.12.2023</a:t>
+              <a:t>15.12.2023</a:t>
             </a:fld>
             <a:endParaRPr lang="de-DE"/>
           </a:p>
@@ -2074,7 +2075,7 @@
           <a:p>
             <a:fld id="{FAC48D4D-CDDF-46A0-BBDF-680128B0453A}" type="datetimeFigureOut">
               <a:rPr lang="de-DE" smtClean="0"/>
-              <a:t>13.12.2023</a:t>
+              <a:t>15.12.2023</a:t>
             </a:fld>
             <a:endParaRPr lang="de-DE"/>
           </a:p>
@@ -2385,7 +2386,7 @@
           <a:p>
             <a:fld id="{FAC48D4D-CDDF-46A0-BBDF-680128B0453A}" type="datetimeFigureOut">
               <a:rPr lang="de-DE" smtClean="0"/>
-              <a:t>13.12.2023</a:t>
+              <a:t>15.12.2023</a:t>
             </a:fld>
             <a:endParaRPr lang="de-DE"/>
           </a:p>
@@ -2673,7 +2674,7 @@
           <a:p>
             <a:fld id="{FAC48D4D-CDDF-46A0-BBDF-680128B0453A}" type="datetimeFigureOut">
               <a:rPr lang="de-DE" smtClean="0"/>
-              <a:t>13.12.2023</a:t>
+              <a:t>15.12.2023</a:t>
             </a:fld>
             <a:endParaRPr lang="de-DE"/>
           </a:p>
@@ -2914,7 +2915,7 @@
           <a:p>
             <a:fld id="{FAC48D4D-CDDF-46A0-BBDF-680128B0453A}" type="datetimeFigureOut">
               <a:rPr lang="de-DE" smtClean="0"/>
-              <a:t>13.12.2023</a:t>
+              <a:t>15.12.2023</a:t>
             </a:fld>
             <a:endParaRPr lang="de-DE"/>
           </a:p>
@@ -3789,7 +3790,7 @@
           <p:cNvPr id="2" name="Titel 1">
             <a:extLst>
               <a:ext uri="{FF2B5EF4-FFF2-40B4-BE49-F238E27FC236}">
-                <a16:creationId xmlns:a16="http://schemas.microsoft.com/office/drawing/2014/main" id="{85356C29-171C-F64A-2219-6D240C5BC276}"/>
+                <a16:creationId xmlns:a16="http://schemas.microsoft.com/office/drawing/2014/main" id="{348F0847-EFD1-9BF0-20FF-5BF67C2C9912}"/>
               </a:ext>
             </a:extLst>
           </p:cNvPr>
@@ -3802,64 +3803,30 @@
         </p:nvSpPr>
         <p:spPr>
           <a:xfrm>
-            <a:off x="838200" y="365126"/>
-            <a:ext cx="10515600" cy="652792"/>
+            <a:off x="838200" y="365125"/>
+            <a:ext cx="10515600" cy="678671"/>
           </a:xfrm>
         </p:spPr>
         <p:txBody>
           <a:bodyPr>
-            <a:normAutofit/>
+            <a:normAutofit fontScale="90000"/>
           </a:bodyPr>
           <a:lstStyle/>
           <a:p>
             <a:r>
-              <a:rPr lang="de-DE" sz="4000" dirty="0"/>
-              <a:t>Verhaltensdiagramm: Kommunikationsdiagramm</a:t>
-            </a:r>
-          </a:p>
-        </p:txBody>
-      </p:sp>
-      <p:sp>
-        <p:nvSpPr>
-          <p:cNvPr id="3" name="Inhaltsplatzhalter 2">
-            <a:extLst>
-              <a:ext uri="{FF2B5EF4-FFF2-40B4-BE49-F238E27FC236}">
-                <a16:creationId xmlns:a16="http://schemas.microsoft.com/office/drawing/2014/main" id="{98292742-643F-8C80-BA2B-EDE3B7135D3C}"/>
-              </a:ext>
-            </a:extLst>
-          </p:cNvPr>
-          <p:cNvSpPr>
-            <a:spLocks noGrp="1"/>
-          </p:cNvSpPr>
-          <p:nvPr>
-            <p:ph idx="1"/>
-          </p:nvPr>
-        </p:nvSpPr>
-        <p:spPr>
-          <a:xfrm>
-            <a:off x="838198" y="1017918"/>
-            <a:ext cx="10515600" cy="4351338"/>
-          </a:xfrm>
-        </p:spPr>
-        <p:txBody>
-          <a:bodyPr>
-            <a:normAutofit/>
-          </a:bodyPr>
-          <a:lstStyle/>
-          <a:p>
-            <a:r>
-              <a:rPr lang="de-DE" sz="2000" dirty="0"/>
-              <a:t>Beitreten eines Schachclubs</a:t>
-            </a:r>
+              <a:rPr lang="de-DE" sz="4400" dirty="0"/>
+              <a:t>Strukturdiagramm: Komponentendiagramm</a:t>
+            </a:r>
+            <a:endParaRPr lang="de-DE" dirty="0"/>
           </a:p>
         </p:txBody>
       </p:sp>
       <p:pic>
         <p:nvPicPr>
-          <p:cNvPr id="4" name="Grafik 3" descr="Ein Bild, das Text, Quittung, Screenshot, Reihe enthält.&#10;&#10;Automatisch generierte Beschreibung">
-            <a:extLst>
-              <a:ext uri="{FF2B5EF4-FFF2-40B4-BE49-F238E27FC236}">
-                <a16:creationId xmlns:a16="http://schemas.microsoft.com/office/drawing/2014/main" id="{08A7F9FB-FB56-4C0C-8538-1FF6DA6C8594}"/>
+          <p:cNvPr id="6" name="Grafik 5" descr="Ein Bild, das Diagramm, Plan, Screenshot, technische Zeichnung enthält.&#10;&#10;Automatisch generierte Beschreibung">
+            <a:extLst>
+              <a:ext uri="{FF2B5EF4-FFF2-40B4-BE49-F238E27FC236}">
+                <a16:creationId xmlns:a16="http://schemas.microsoft.com/office/drawing/2014/main" id="{21089163-BB0C-60D4-06EA-4CA0B8B98FD8}"/>
               </a:ext>
             </a:extLst>
           </p:cNvPr>
@@ -3876,8 +3843,138 @@
         </p:blipFill>
         <p:spPr>
           <a:xfrm>
-            <a:off x="99860" y="1488744"/>
-            <a:ext cx="11992275" cy="2055554"/>
+            <a:off x="1577340" y="1043796"/>
+            <a:ext cx="7865043" cy="5428024"/>
+          </a:xfrm>
+          <a:prstGeom prst="rect">
+            <a:avLst/>
+          </a:prstGeom>
+        </p:spPr>
+      </p:pic>
+    </p:spTree>
+    <p:extLst>
+      <p:ext uri="{BB962C8B-B14F-4D97-AF65-F5344CB8AC3E}">
+        <p14:creationId xmlns:p14="http://schemas.microsoft.com/office/powerpoint/2010/main" val="2225002053"/>
+      </p:ext>
+    </p:extLst>
+  </p:cSld>
+  <p:clrMapOvr>
+    <a:masterClrMapping/>
+  </p:clrMapOvr>
+</p:sld>
+</file>
+
+<file path=ppt/slides/slide6.xml><?xml version="1.0" encoding="utf-8"?>
+<p:sld xmlns:a="http://schemas.openxmlformats.org/drawingml/2006/main" xmlns:r="http://schemas.openxmlformats.org/officeDocument/2006/relationships" xmlns:p="http://schemas.openxmlformats.org/presentationml/2006/main">
+  <p:cSld>
+    <p:spTree>
+      <p:nvGrpSpPr>
+        <p:cNvPr id="1" name=""/>
+        <p:cNvGrpSpPr/>
+        <p:nvPr/>
+      </p:nvGrpSpPr>
+      <p:grpSpPr>
+        <a:xfrm>
+          <a:off x="0" y="0"/>
+          <a:ext cx="0" cy="0"/>
+          <a:chOff x="0" y="0"/>
+          <a:chExt cx="0" cy="0"/>
+        </a:xfrm>
+      </p:grpSpPr>
+      <p:sp>
+        <p:nvSpPr>
+          <p:cNvPr id="2" name="Titel 1">
+            <a:extLst>
+              <a:ext uri="{FF2B5EF4-FFF2-40B4-BE49-F238E27FC236}">
+                <a16:creationId xmlns:a16="http://schemas.microsoft.com/office/drawing/2014/main" id="{85356C29-171C-F64A-2219-6D240C5BC276}"/>
+              </a:ext>
+            </a:extLst>
+          </p:cNvPr>
+          <p:cNvSpPr>
+            <a:spLocks noGrp="1"/>
+          </p:cNvSpPr>
+          <p:nvPr>
+            <p:ph type="title"/>
+          </p:nvPr>
+        </p:nvSpPr>
+        <p:spPr>
+          <a:xfrm>
+            <a:off x="838200" y="365126"/>
+            <a:ext cx="10515600" cy="652792"/>
+          </a:xfrm>
+        </p:spPr>
+        <p:txBody>
+          <a:bodyPr>
+            <a:normAutofit/>
+          </a:bodyPr>
+          <a:lstStyle/>
+          <a:p>
+            <a:r>
+              <a:rPr lang="de-DE" sz="4000" dirty="0"/>
+              <a:t>Strukturdiagramm: Komponentendiagramm</a:t>
+            </a:r>
+          </a:p>
+        </p:txBody>
+      </p:sp>
+      <p:sp>
+        <p:nvSpPr>
+          <p:cNvPr id="3" name="Inhaltsplatzhalter 2">
+            <a:extLst>
+              <a:ext uri="{FF2B5EF4-FFF2-40B4-BE49-F238E27FC236}">
+                <a16:creationId xmlns:a16="http://schemas.microsoft.com/office/drawing/2014/main" id="{98292742-643F-8C80-BA2B-EDE3B7135D3C}"/>
+              </a:ext>
+            </a:extLst>
+          </p:cNvPr>
+          <p:cNvSpPr>
+            <a:spLocks noGrp="1"/>
+          </p:cNvSpPr>
+          <p:nvPr>
+            <p:ph idx="1"/>
+          </p:nvPr>
+        </p:nvSpPr>
+        <p:spPr>
+          <a:xfrm>
+            <a:off x="838198" y="1017918"/>
+            <a:ext cx="10515600" cy="4351338"/>
+          </a:xfrm>
+        </p:spPr>
+        <p:txBody>
+          <a:bodyPr>
+            <a:normAutofit/>
+          </a:bodyPr>
+          <a:lstStyle/>
+          <a:p>
+            <a:r>
+              <a:rPr lang="de-DE" sz="2000" dirty="0"/>
+              <a:t>Database:</a:t>
+            </a:r>
+          </a:p>
+        </p:txBody>
+      </p:sp>
+      <p:pic>
+        <p:nvPicPr>
+          <p:cNvPr id="6" name="Grafik 5">
+            <a:extLst>
+              <a:ext uri="{FF2B5EF4-FFF2-40B4-BE49-F238E27FC236}">
+                <a16:creationId xmlns:a16="http://schemas.microsoft.com/office/drawing/2014/main" id="{3363B230-182A-6176-B395-570134C2F6DF}"/>
+              </a:ext>
+            </a:extLst>
+          </p:cNvPr>
+          <p:cNvPicPr>
+            <a:picLocks noChangeAspect="1"/>
+          </p:cNvPicPr>
+          <p:nvPr/>
+        </p:nvPicPr>
+        <p:blipFill>
+          <a:blip r:embed="rId2"/>
+          <a:stretch>
+            <a:fillRect/>
+          </a:stretch>
+        </p:blipFill>
+        <p:spPr>
+          <a:xfrm>
+            <a:off x="838196" y="1488743"/>
+            <a:ext cx="8082520" cy="5203617"/>
           </a:xfrm>
           <a:prstGeom prst="rect">
             <a:avLst/>
@@ -3897,7 +3994,7 @@
 </p:sld>
 </file>
 
-<file path=ppt/slides/slide6.xml><?xml version="1.0" encoding="utf-8"?>
+<file path=ppt/slides/slide7.xml><?xml version="1.0" encoding="utf-8"?>
 <p:sld xmlns:a="http://schemas.openxmlformats.org/drawingml/2006/main" xmlns:r="http://schemas.openxmlformats.org/officeDocument/2006/relationships" xmlns:p="http://schemas.openxmlformats.org/presentationml/2006/main">
   <p:cSld>
     <p:spTree>

--- a/Projektmappe/Zyklus 2/Willkommen zur Präsentation der ChesSEP - Zyklus II.pptx
+++ b/Projektmappe/Zyklus 2/Willkommen zur Präsentation der ChesSEP - Zyklus II.pptx
@@ -12,6 +12,8 @@
     <p:sldId id="262" r:id="rId6"/>
     <p:sldId id="260" r:id="rId7"/>
     <p:sldId id="261" r:id="rId8"/>
+    <p:sldId id="263" r:id="rId9"/>
+    <p:sldId id="264" r:id="rId10"/>
   </p:sldIdLst>
   <p:sldSz cx="12192000" cy="6858000"/>
   <p:notesSz cx="6858000" cy="9144000"/>
@@ -3537,10 +3539,10 @@
       </p:pic>
       <p:pic>
         <p:nvPicPr>
-          <p:cNvPr id="7" name="Grafik 6">
-            <a:extLst>
-              <a:ext uri="{FF2B5EF4-FFF2-40B4-BE49-F238E27FC236}">
-                <a16:creationId xmlns:a16="http://schemas.microsoft.com/office/drawing/2014/main" id="{7EC7C4E6-4B1E-CBC3-9C3F-03E978B8BB1D}"/>
+          <p:cNvPr id="4" name="Grafik 3">
+            <a:extLst>
+              <a:ext uri="{FF2B5EF4-FFF2-40B4-BE49-F238E27FC236}">
+                <a16:creationId xmlns:a16="http://schemas.microsoft.com/office/drawing/2014/main" id="{FC396E19-E27E-0ECB-B26A-F932B19B56CD}"/>
               </a:ext>
             </a:extLst>
           </p:cNvPr>
@@ -3557,8 +3559,8 @@
         </p:blipFill>
         <p:spPr>
           <a:xfrm>
-            <a:off x="2760363" y="3904516"/>
-            <a:ext cx="6671274" cy="2731772"/>
+            <a:off x="2760362" y="3963938"/>
+            <a:ext cx="6671273" cy="2818484"/>
           </a:xfrm>
           <a:prstGeom prst="rect">
             <a:avLst/>
@@ -4011,19 +4013,195 @@
           <a:chExt cx="0" cy="0"/>
         </a:xfrm>
       </p:grpSpPr>
+      <p:sp>
+        <p:nvSpPr>
+          <p:cNvPr id="2" name="Titel 1">
+            <a:extLst>
+              <a:ext uri="{FF2B5EF4-FFF2-40B4-BE49-F238E27FC236}">
+                <a16:creationId xmlns:a16="http://schemas.microsoft.com/office/drawing/2014/main" id="{51471FF3-1EC4-ADF0-4357-55BB3C9624CD}"/>
+              </a:ext>
+            </a:extLst>
+          </p:cNvPr>
+          <p:cNvSpPr>
+            <a:spLocks noGrp="1"/>
+          </p:cNvSpPr>
+          <p:nvPr>
+            <p:ph type="title"/>
+          </p:nvPr>
+        </p:nvSpPr>
+        <p:spPr>
+          <a:xfrm>
+            <a:off x="838200" y="365126"/>
+            <a:ext cx="10515600" cy="661418"/>
+          </a:xfrm>
+        </p:spPr>
+        <p:txBody>
+          <a:bodyPr>
+            <a:normAutofit/>
+          </a:bodyPr>
+          <a:lstStyle/>
+          <a:p>
+            <a:r>
+              <a:rPr lang="de-DE" sz="4000" dirty="0"/>
+              <a:t>Verhaltensdiagramm: Kommunikationsdiagramm</a:t>
+            </a:r>
+          </a:p>
+        </p:txBody>
+      </p:sp>
       <p:pic>
         <p:nvPicPr>
-          <p:cNvPr id="4" name="Grafik 3" descr="Ein Bild, das Text, Diagramm, parallel, Screenshot enthält.&#10;&#10;Automatisch generierte Beschreibung">
-            <a:extLst>
-              <a:ext uri="{FF2B5EF4-FFF2-40B4-BE49-F238E27FC236}">
-                <a16:creationId xmlns:a16="http://schemas.microsoft.com/office/drawing/2014/main" id="{6E45EE15-0ADF-511B-99A6-D2B6E5B6E26E}"/>
+          <p:cNvPr id="6" name="Inhaltsplatzhalter 5" descr="Ein Bild, das Text, Quittung, Screenshot, Reihe enthält.&#10;&#10;Automatisch generierte Beschreibung">
+            <a:extLst>
+              <a:ext uri="{FF2B5EF4-FFF2-40B4-BE49-F238E27FC236}">
+                <a16:creationId xmlns:a16="http://schemas.microsoft.com/office/drawing/2014/main" id="{5443B374-3E48-01E5-BA67-969E9E717138}"/>
               </a:ext>
             </a:extLst>
           </p:cNvPr>
           <p:cNvPicPr>
-            <a:picLocks noChangeAspect="1"/>
+            <a:picLocks noGrp="1" noChangeAspect="1"/>
           </p:cNvPicPr>
+          <p:nvPr>
+            <p:ph idx="1"/>
+          </p:nvPr>
+        </p:nvPicPr>
+        <p:blipFill>
+          <a:blip r:embed="rId2">
+            <a:extLst>
+              <a:ext uri="{28A0092B-C50C-407E-A947-70E740481C1C}">
+                <a14:useLocalDpi xmlns:a14="http://schemas.microsoft.com/office/drawing/2010/main" val="0"/>
+              </a:ext>
+            </a:extLst>
+          </a:blip>
+          <a:stretch>
+            <a:fillRect/>
+          </a:stretch>
+        </p:blipFill>
+        <p:spPr>
+          <a:xfrm>
+            <a:off x="414688" y="1626516"/>
+            <a:ext cx="11680780" cy="2002208"/>
+          </a:xfrm>
+        </p:spPr>
+      </p:pic>
+      <p:sp>
+        <p:nvSpPr>
+          <p:cNvPr id="7" name="Textfeld 6">
+            <a:extLst>
+              <a:ext uri="{FF2B5EF4-FFF2-40B4-BE49-F238E27FC236}">
+                <a16:creationId xmlns:a16="http://schemas.microsoft.com/office/drawing/2014/main" id="{0C11002C-26BB-B68C-8C39-D1E3460F7D06}"/>
+              </a:ext>
+            </a:extLst>
+          </p:cNvPr>
+          <p:cNvSpPr txBox="1"/>
           <p:nvPr/>
+        </p:nvSpPr>
+        <p:spPr>
+          <a:xfrm>
+            <a:off x="721894" y="1257184"/>
+            <a:ext cx="6420051" cy="369332"/>
+          </a:xfrm>
+          <a:prstGeom prst="rect">
+            <a:avLst/>
+          </a:prstGeom>
+          <a:noFill/>
+        </p:spPr>
+        <p:txBody>
+          <a:bodyPr wrap="square" rtlCol="0">
+            <a:spAutoFit/>
+          </a:bodyPr>
+          <a:lstStyle/>
+          <a:p>
+            <a:pPr marL="285750" indent="-285750">
+              <a:buFont typeface="Arial" panose="020B0604020202020204" pitchFamily="34" charset="0"/>
+              <a:buChar char="•"/>
+            </a:pPr>
+            <a:r>
+              <a:rPr lang="de-DE" dirty="0"/>
+              <a:t>Schachclub beitreten</a:t>
+            </a:r>
+          </a:p>
+        </p:txBody>
+      </p:sp>
+    </p:spTree>
+    <p:extLst>
+      <p:ext uri="{BB962C8B-B14F-4D97-AF65-F5344CB8AC3E}">
+        <p14:creationId xmlns:p14="http://schemas.microsoft.com/office/powerpoint/2010/main" val="2220958040"/>
+      </p:ext>
+    </p:extLst>
+  </p:cSld>
+  <p:clrMapOvr>
+    <a:masterClrMapping/>
+  </p:clrMapOvr>
+</p:sld>
+</file>
+
+<file path=ppt/slides/slide8.xml><?xml version="1.0" encoding="utf-8"?>
+<p:sld xmlns:a="http://schemas.openxmlformats.org/drawingml/2006/main" xmlns:r="http://schemas.openxmlformats.org/officeDocument/2006/relationships" xmlns:p="http://schemas.openxmlformats.org/presentationml/2006/main">
+  <p:cSld>
+    <p:spTree>
+      <p:nvGrpSpPr>
+        <p:cNvPr id="1" name=""/>
+        <p:cNvGrpSpPr/>
+        <p:nvPr/>
+      </p:nvGrpSpPr>
+      <p:grpSpPr>
+        <a:xfrm>
+          <a:off x="0" y="0"/>
+          <a:ext cx="0" cy="0"/>
+          <a:chOff x="0" y="0"/>
+          <a:chExt cx="0" cy="0"/>
+        </a:xfrm>
+      </p:grpSpPr>
+      <p:sp>
+        <p:nvSpPr>
+          <p:cNvPr id="2" name="Titel 1">
+            <a:extLst>
+              <a:ext uri="{FF2B5EF4-FFF2-40B4-BE49-F238E27FC236}">
+                <a16:creationId xmlns:a16="http://schemas.microsoft.com/office/drawing/2014/main" id="{AFEAD7A4-1656-6FCF-51A4-B84BB942285D}"/>
+              </a:ext>
+            </a:extLst>
+          </p:cNvPr>
+          <p:cNvSpPr>
+            <a:spLocks noGrp="1"/>
+          </p:cNvSpPr>
+          <p:nvPr>
+            <p:ph type="title"/>
+          </p:nvPr>
+        </p:nvSpPr>
+        <p:spPr>
+          <a:xfrm>
+            <a:off x="838200" y="365125"/>
+            <a:ext cx="10515600" cy="530225"/>
+          </a:xfrm>
+        </p:spPr>
+        <p:txBody>
+          <a:bodyPr>
+            <a:normAutofit fontScale="90000"/>
+          </a:bodyPr>
+          <a:lstStyle/>
+          <a:p>
+            <a:r>
+              <a:rPr lang="de-DE" dirty="0"/>
+              <a:t>Systemtest: Nachricht an Freund senden</a:t>
+            </a:r>
+          </a:p>
+        </p:txBody>
+      </p:sp>
+      <p:pic>
+        <p:nvPicPr>
+          <p:cNvPr id="5" name="Inhaltsplatzhalter 4">
+            <a:extLst>
+              <a:ext uri="{FF2B5EF4-FFF2-40B4-BE49-F238E27FC236}">
+                <a16:creationId xmlns:a16="http://schemas.microsoft.com/office/drawing/2014/main" id="{028EA21D-44EF-14CF-98D1-A71B4F3AC756}"/>
+              </a:ext>
+            </a:extLst>
+          </p:cNvPr>
+          <p:cNvPicPr>
+            <a:picLocks noGrp="1" noChangeAspect="1"/>
+          </p:cNvPicPr>
+          <p:nvPr>
+            <p:ph idx="1"/>
+          </p:nvPr>
         </p:nvPicPr>
         <p:blipFill>
           <a:blip r:embed="rId2"/>
@@ -4033,88 +4211,103 @@
         </p:blipFill>
         <p:spPr>
           <a:xfrm>
-            <a:off x="1069206" y="1250213"/>
-            <a:ext cx="7997792" cy="5542562"/>
+            <a:off x="1137853" y="1033973"/>
+            <a:ext cx="7920422" cy="5833933"/>
           </a:xfrm>
-          <a:prstGeom prst="rect">
-            <a:avLst/>
-          </a:prstGeom>
         </p:spPr>
       </p:pic>
-      <p:sp>
-        <p:nvSpPr>
-          <p:cNvPr id="2" name="Titel 1">
-            <a:extLst>
-              <a:ext uri="{FF2B5EF4-FFF2-40B4-BE49-F238E27FC236}">
-                <a16:creationId xmlns:a16="http://schemas.microsoft.com/office/drawing/2014/main" id="{51471FF3-1EC4-ADF0-4357-55BB3C9624CD}"/>
-              </a:ext>
-            </a:extLst>
-          </p:cNvPr>
-          <p:cNvSpPr>
-            <a:spLocks noGrp="1"/>
-          </p:cNvSpPr>
-          <p:nvPr>
-            <p:ph type="title"/>
-          </p:nvPr>
-        </p:nvSpPr>
-        <p:spPr>
-          <a:xfrm>
-            <a:off x="838200" y="365126"/>
-            <a:ext cx="10515600" cy="661418"/>
-          </a:xfrm>
-        </p:spPr>
-        <p:txBody>
-          <a:bodyPr>
-            <a:normAutofit/>
-          </a:bodyPr>
-          <a:lstStyle/>
-          <a:p>
-            <a:r>
-              <a:rPr lang="de-DE" sz="4000" dirty="0"/>
-              <a:t>Strukturdiagramm: Klassendiagramm</a:t>
-            </a:r>
-          </a:p>
-        </p:txBody>
-      </p:sp>
-      <p:sp>
-        <p:nvSpPr>
-          <p:cNvPr id="3" name="Inhaltsplatzhalter 2">
-            <a:extLst>
-              <a:ext uri="{FF2B5EF4-FFF2-40B4-BE49-F238E27FC236}">
-                <a16:creationId xmlns:a16="http://schemas.microsoft.com/office/drawing/2014/main" id="{BF59B00F-4F37-EE1E-ADFD-730C913F8B6F}"/>
-              </a:ext>
-            </a:extLst>
-          </p:cNvPr>
-          <p:cNvSpPr>
-            <a:spLocks noGrp="1"/>
-          </p:cNvSpPr>
-          <p:nvPr>
-            <p:ph idx="1"/>
-          </p:nvPr>
-        </p:nvSpPr>
-        <p:spPr>
-          <a:xfrm>
-            <a:off x="838200" y="962984"/>
-            <a:ext cx="10515600" cy="4351338"/>
-          </a:xfrm>
-        </p:spPr>
-        <p:txBody>
-          <a:bodyPr>
-            <a:normAutofit/>
-          </a:bodyPr>
-          <a:lstStyle/>
-          <a:p>
-            <a:r>
-              <a:rPr lang="de-DE" sz="2000" dirty="0"/>
-              <a:t>Paketdiagramm: ChessGame</a:t>
-            </a:r>
-          </a:p>
-        </p:txBody>
-      </p:sp>
     </p:spTree>
     <p:extLst>
       <p:ext uri="{BB962C8B-B14F-4D97-AF65-F5344CB8AC3E}">
-        <p14:creationId xmlns:p14="http://schemas.microsoft.com/office/powerpoint/2010/main" val="2220958040"/>
+        <p14:creationId xmlns:p14="http://schemas.microsoft.com/office/powerpoint/2010/main" val="353913898"/>
+      </p:ext>
+    </p:extLst>
+  </p:cSld>
+  <p:clrMapOvr>
+    <a:masterClrMapping/>
+  </p:clrMapOvr>
+</p:sld>
+</file>
+
+<file path=ppt/slides/slide9.xml><?xml version="1.0" encoding="utf-8"?>
+<p:sld xmlns:a="http://schemas.openxmlformats.org/drawingml/2006/main" xmlns:r="http://schemas.openxmlformats.org/officeDocument/2006/relationships" xmlns:p="http://schemas.openxmlformats.org/presentationml/2006/main">
+  <p:cSld>
+    <p:spTree>
+      <p:nvGrpSpPr>
+        <p:cNvPr id="1" name=""/>
+        <p:cNvGrpSpPr/>
+        <p:nvPr/>
+      </p:nvGrpSpPr>
+      <p:grpSpPr>
+        <a:xfrm>
+          <a:off x="0" y="0"/>
+          <a:ext cx="0" cy="0"/>
+          <a:chOff x="0" y="0"/>
+          <a:chExt cx="0" cy="0"/>
+        </a:xfrm>
+      </p:grpSpPr>
+      <p:sp>
+        <p:nvSpPr>
+          <p:cNvPr id="2" name="Titel 1">
+            <a:extLst>
+              <a:ext uri="{FF2B5EF4-FFF2-40B4-BE49-F238E27FC236}">
+                <a16:creationId xmlns:a16="http://schemas.microsoft.com/office/drawing/2014/main" id="{99B60C37-AFD4-F498-6C82-55C50034E197}"/>
+              </a:ext>
+            </a:extLst>
+          </p:cNvPr>
+          <p:cNvSpPr>
+            <a:spLocks noGrp="1"/>
+          </p:cNvSpPr>
+          <p:nvPr>
+            <p:ph type="title"/>
+          </p:nvPr>
+        </p:nvSpPr>
+        <p:spPr/>
+        <p:txBody>
+          <a:bodyPr/>
+          <a:lstStyle/>
+          <a:p>
+            <a:r>
+              <a:rPr lang="de-DE"/>
+              <a:t>Modultest: Schachclub beitreten</a:t>
+            </a:r>
+            <a:endParaRPr lang="de-DE" dirty="0"/>
+          </a:p>
+        </p:txBody>
+      </p:sp>
+      <p:sp>
+        <p:nvSpPr>
+          <p:cNvPr id="3" name="Inhaltsplatzhalter 2">
+            <a:extLst>
+              <a:ext uri="{FF2B5EF4-FFF2-40B4-BE49-F238E27FC236}">
+                <a16:creationId xmlns:a16="http://schemas.microsoft.com/office/drawing/2014/main" id="{AA88EA41-0017-9A34-044B-35BB06BBC9BD}"/>
+              </a:ext>
+            </a:extLst>
+          </p:cNvPr>
+          <p:cNvSpPr>
+            <a:spLocks noGrp="1"/>
+          </p:cNvSpPr>
+          <p:nvPr>
+            <p:ph idx="1"/>
+          </p:nvPr>
+        </p:nvSpPr>
+        <p:spPr/>
+        <p:txBody>
+          <a:bodyPr/>
+          <a:lstStyle/>
+          <a:p>
+            <a:r>
+              <a:rPr lang="de-DE"/>
+              <a:t>Der Modultest wird über die IDE präsentiert.</a:t>
+            </a:r>
+            <a:endParaRPr lang="de-DE" dirty="0"/>
+          </a:p>
+        </p:txBody>
+      </p:sp>
+    </p:spTree>
+    <p:extLst>
+      <p:ext uri="{BB962C8B-B14F-4D97-AF65-F5344CB8AC3E}">
+        <p14:creationId xmlns:p14="http://schemas.microsoft.com/office/powerpoint/2010/main" val="3973506600"/>
       </p:ext>
     </p:extLst>
   </p:cSld>
